--- a/Docs/UI.pptx
+++ b/Docs/UI.pptx
@@ -5,7 +5,7 @@
     <p:sldMasterId id="2147483648" r:id="rId1"/>
   </p:sldMasterIdLst>
   <p:notesMasterIdLst>
-    <p:notesMasterId r:id="rId12"/>
+    <p:notesMasterId r:id="rId13"/>
   </p:notesMasterIdLst>
   <p:sldIdLst>
     <p:sldId id="266" r:id="rId2"/>
@@ -17,7 +17,8 @@
     <p:sldId id="261" r:id="rId8"/>
     <p:sldId id="262" r:id="rId9"/>
     <p:sldId id="263" r:id="rId10"/>
-    <p:sldId id="265" r:id="rId11"/>
+    <p:sldId id="267" r:id="rId11"/>
+    <p:sldId id="265" r:id="rId12"/>
   </p:sldIdLst>
   <p:sldSz cx="12192000" cy="6858000"/>
   <p:notesSz cx="6858000" cy="9144000"/>
@@ -116,6 +117,11 @@
       </a:defRPr>
     </a:lvl9pPr>
   </p:defaultTextStyle>
+  <p:extLst>
+    <p:ext uri="{EFAFB233-063F-42B5-8137-9DF3F51BA10A}">
+      <p15:sldGuideLst xmlns:p15="http://schemas.microsoft.com/office/powerpoint/2012/main"/>
+    </p:ext>
+  </p:extLst>
 </p:presentation>
 </file>
 
@@ -201,7 +207,7 @@
           <a:p>
             <a:fld id="{9BD7929B-A3A2-4384-AF11-4189C310C7E7}" type="datetimeFigureOut">
               <a:rPr lang="zh-CN" altLang="en-US" smtClean="0"/>
-              <a:t>2018/7/19</a:t>
+              <a:t>2018/7/19 Thursday</a:t>
             </a:fld>
             <a:endParaRPr lang="zh-CN" altLang="en-US"/>
           </a:p>
@@ -768,7 +774,7 @@
           <a:p>
             <a:fld id="{A28D2951-235C-4AD5-945C-0A55A6F706C2}" type="datetimeFigureOut">
               <a:rPr lang="zh-CN" altLang="en-US" smtClean="0"/>
-              <a:t>2018/7/19</a:t>
+              <a:t>2018/7/19 Thursday</a:t>
             </a:fld>
             <a:endParaRPr lang="zh-CN" altLang="en-US"/>
           </a:p>
@@ -938,7 +944,7 @@
           <a:p>
             <a:fld id="{A28D2951-235C-4AD5-945C-0A55A6F706C2}" type="datetimeFigureOut">
               <a:rPr lang="zh-CN" altLang="en-US" smtClean="0"/>
-              <a:t>2018/7/19</a:t>
+              <a:t>2018/7/19 Thursday</a:t>
             </a:fld>
             <a:endParaRPr lang="zh-CN" altLang="en-US"/>
           </a:p>
@@ -1118,7 +1124,7 @@
           <a:p>
             <a:fld id="{A28D2951-235C-4AD5-945C-0A55A6F706C2}" type="datetimeFigureOut">
               <a:rPr lang="zh-CN" altLang="en-US" smtClean="0"/>
-              <a:t>2018/7/19</a:t>
+              <a:t>2018/7/19 Thursday</a:t>
             </a:fld>
             <a:endParaRPr lang="zh-CN" altLang="en-US"/>
           </a:p>
@@ -1288,7 +1294,7 @@
           <a:p>
             <a:fld id="{A28D2951-235C-4AD5-945C-0A55A6F706C2}" type="datetimeFigureOut">
               <a:rPr lang="zh-CN" altLang="en-US" smtClean="0"/>
-              <a:t>2018/7/19</a:t>
+              <a:t>2018/7/19 Thursday</a:t>
             </a:fld>
             <a:endParaRPr lang="zh-CN" altLang="en-US"/>
           </a:p>
@@ -1534,7 +1540,7 @@
           <a:p>
             <a:fld id="{A28D2951-235C-4AD5-945C-0A55A6F706C2}" type="datetimeFigureOut">
               <a:rPr lang="zh-CN" altLang="en-US" smtClean="0"/>
-              <a:t>2018/7/19</a:t>
+              <a:t>2018/7/19 Thursday</a:t>
             </a:fld>
             <a:endParaRPr lang="zh-CN" altLang="en-US"/>
           </a:p>
@@ -1766,7 +1772,7 @@
           <a:p>
             <a:fld id="{A28D2951-235C-4AD5-945C-0A55A6F706C2}" type="datetimeFigureOut">
               <a:rPr lang="zh-CN" altLang="en-US" smtClean="0"/>
-              <a:t>2018/7/19</a:t>
+              <a:t>2018/7/19 Thursday</a:t>
             </a:fld>
             <a:endParaRPr lang="zh-CN" altLang="en-US"/>
           </a:p>
@@ -2133,7 +2139,7 @@
           <a:p>
             <a:fld id="{A28D2951-235C-4AD5-945C-0A55A6F706C2}" type="datetimeFigureOut">
               <a:rPr lang="zh-CN" altLang="en-US" smtClean="0"/>
-              <a:t>2018/7/19</a:t>
+              <a:t>2018/7/19 Thursday</a:t>
             </a:fld>
             <a:endParaRPr lang="zh-CN" altLang="en-US"/>
           </a:p>
@@ -2251,7 +2257,7 @@
           <a:p>
             <a:fld id="{A28D2951-235C-4AD5-945C-0A55A6F706C2}" type="datetimeFigureOut">
               <a:rPr lang="zh-CN" altLang="en-US" smtClean="0"/>
-              <a:t>2018/7/19</a:t>
+              <a:t>2018/7/19 Thursday</a:t>
             </a:fld>
             <a:endParaRPr lang="zh-CN" altLang="en-US"/>
           </a:p>
@@ -2346,7 +2352,7 @@
           <a:p>
             <a:fld id="{A28D2951-235C-4AD5-945C-0A55A6F706C2}" type="datetimeFigureOut">
               <a:rPr lang="zh-CN" altLang="en-US" smtClean="0"/>
-              <a:t>2018/7/19</a:t>
+              <a:t>2018/7/19 Thursday</a:t>
             </a:fld>
             <a:endParaRPr lang="zh-CN" altLang="en-US"/>
           </a:p>
@@ -2623,7 +2629,7 @@
           <a:p>
             <a:fld id="{A28D2951-235C-4AD5-945C-0A55A6F706C2}" type="datetimeFigureOut">
               <a:rPr lang="zh-CN" altLang="en-US" smtClean="0"/>
-              <a:t>2018/7/19</a:t>
+              <a:t>2018/7/19 Thursday</a:t>
             </a:fld>
             <a:endParaRPr lang="zh-CN" altLang="en-US"/>
           </a:p>
@@ -2876,7 +2882,7 @@
           <a:p>
             <a:fld id="{A28D2951-235C-4AD5-945C-0A55A6F706C2}" type="datetimeFigureOut">
               <a:rPr lang="zh-CN" altLang="en-US" smtClean="0"/>
-              <a:t>2018/7/19</a:t>
+              <a:t>2018/7/19 Thursday</a:t>
             </a:fld>
             <a:endParaRPr lang="zh-CN" altLang="en-US"/>
           </a:p>
@@ -3089,7 +3095,7 @@
           <a:p>
             <a:fld id="{A28D2951-235C-4AD5-945C-0A55A6F706C2}" type="datetimeFigureOut">
               <a:rPr lang="zh-CN" altLang="en-US" smtClean="0"/>
-              <a:t>2018/7/19</a:t>
+              <a:t>2018/7/19 Thursday</a:t>
             </a:fld>
             <a:endParaRPr lang="zh-CN" altLang="en-US"/>
           </a:p>
@@ -3544,6 +3550,805 @@
 </file>
 
 <file path=ppt/slides/slide10.xml><?xml version="1.0" encoding="utf-8"?>
+<p:sld xmlns:a="http://schemas.openxmlformats.org/drawingml/2006/main" xmlns:r="http://schemas.openxmlformats.org/officeDocument/2006/relationships" xmlns:p="http://schemas.openxmlformats.org/presentationml/2006/main">
+  <p:cSld>
+    <p:spTree>
+      <p:nvGrpSpPr>
+        <p:cNvPr id="1" name=""/>
+        <p:cNvGrpSpPr/>
+        <p:nvPr/>
+      </p:nvGrpSpPr>
+      <p:grpSpPr>
+        <a:xfrm>
+          <a:off x="0" y="0"/>
+          <a:ext cx="0" cy="0"/>
+          <a:chOff x="0" y="0"/>
+          <a:chExt cx="0" cy="0"/>
+        </a:xfrm>
+      </p:grpSpPr>
+      <p:sp>
+        <p:nvSpPr>
+          <p:cNvPr id="4" name="矩形 3"/>
+          <p:cNvSpPr/>
+          <p:nvPr/>
+        </p:nvSpPr>
+        <p:spPr>
+          <a:xfrm>
+            <a:off x="0" y="0"/>
+            <a:ext cx="12192000" cy="238539"/>
+          </a:xfrm>
+          <a:prstGeom prst="rect">
+            <a:avLst/>
+          </a:prstGeom>
+        </p:spPr>
+        <p:style>
+          <a:lnRef idx="2">
+            <a:schemeClr val="dk1">
+              <a:shade val="50000"/>
+            </a:schemeClr>
+          </a:lnRef>
+          <a:fillRef idx="1">
+            <a:schemeClr val="dk1"/>
+          </a:fillRef>
+          <a:effectRef idx="0">
+            <a:schemeClr val="dk1"/>
+          </a:effectRef>
+          <a:fontRef idx="minor">
+            <a:schemeClr val="lt1"/>
+          </a:fontRef>
+        </p:style>
+        <p:txBody>
+          <a:bodyPr rtlCol="0" anchor="ctr"/>
+          <a:lstStyle/>
+          <a:p>
+            <a:pPr algn="ctr"/>
+            <a:r>
+              <a:rPr lang="zh-CN" altLang="en-US" dirty="0" smtClean="0"/>
+              <a:t>导航栏</a:t>
+            </a:r>
+            <a:endParaRPr lang="zh-CN" altLang="en-US" dirty="0"/>
+          </a:p>
+        </p:txBody>
+      </p:sp>
+      <p:sp>
+        <p:nvSpPr>
+          <p:cNvPr id="5" name="矩形 4"/>
+          <p:cNvSpPr/>
+          <p:nvPr/>
+        </p:nvSpPr>
+        <p:spPr>
+          <a:xfrm>
+            <a:off x="387626" y="412476"/>
+            <a:ext cx="3508513" cy="487017"/>
+          </a:xfrm>
+          <a:prstGeom prst="rect">
+            <a:avLst/>
+          </a:prstGeom>
+        </p:spPr>
+        <p:style>
+          <a:lnRef idx="2">
+            <a:schemeClr val="accent1">
+              <a:shade val="50000"/>
+            </a:schemeClr>
+          </a:lnRef>
+          <a:fillRef idx="1">
+            <a:schemeClr val="accent1"/>
+          </a:fillRef>
+          <a:effectRef idx="0">
+            <a:schemeClr val="accent1"/>
+          </a:effectRef>
+          <a:fontRef idx="minor">
+            <a:schemeClr val="lt1"/>
+          </a:fontRef>
+        </p:style>
+        <p:txBody>
+          <a:bodyPr rtlCol="0" anchor="ctr"/>
+          <a:lstStyle/>
+          <a:p>
+            <a:pPr algn="ctr"/>
+            <a:r>
+              <a:rPr lang="zh-CN" altLang="en-US" dirty="0" smtClean="0"/>
+              <a:t>网站</a:t>
+            </a:r>
+            <a:r>
+              <a:rPr lang="en-US" altLang="zh-CN" dirty="0" smtClean="0"/>
+              <a:t>LOGO</a:t>
+            </a:r>
+            <a:endParaRPr lang="zh-CN" altLang="en-US" dirty="0"/>
+          </a:p>
+        </p:txBody>
+      </p:sp>
+      <p:sp>
+        <p:nvSpPr>
+          <p:cNvPr id="6" name="圆角矩形 5"/>
+          <p:cNvSpPr/>
+          <p:nvPr/>
+        </p:nvSpPr>
+        <p:spPr>
+          <a:xfrm>
+            <a:off x="9869556" y="755374"/>
+            <a:ext cx="1401418" cy="1331843"/>
+          </a:xfrm>
+          <a:prstGeom prst="roundRect">
+            <a:avLst/>
+          </a:prstGeom>
+        </p:spPr>
+        <p:style>
+          <a:lnRef idx="2">
+            <a:schemeClr val="accent1">
+              <a:shade val="50000"/>
+            </a:schemeClr>
+          </a:lnRef>
+          <a:fillRef idx="1">
+            <a:schemeClr val="accent1"/>
+          </a:fillRef>
+          <a:effectRef idx="0">
+            <a:schemeClr val="accent1"/>
+          </a:effectRef>
+          <a:fontRef idx="minor">
+            <a:schemeClr val="lt1"/>
+          </a:fontRef>
+        </p:style>
+        <p:txBody>
+          <a:bodyPr rtlCol="0" anchor="ctr"/>
+          <a:lstStyle/>
+          <a:p>
+            <a:pPr algn="ctr"/>
+            <a:r>
+              <a:rPr lang="zh-CN" altLang="en-US" dirty="0" smtClean="0"/>
+              <a:t>头像</a:t>
+            </a:r>
+            <a:endParaRPr lang="zh-CN" altLang="en-US" dirty="0"/>
+          </a:p>
+        </p:txBody>
+      </p:sp>
+      <p:sp>
+        <p:nvSpPr>
+          <p:cNvPr id="7" name="矩形 6"/>
+          <p:cNvSpPr/>
+          <p:nvPr/>
+        </p:nvSpPr>
+        <p:spPr>
+          <a:xfrm>
+            <a:off x="9919252" y="2256182"/>
+            <a:ext cx="1302026" cy="347870"/>
+          </a:xfrm>
+          <a:prstGeom prst="rect">
+            <a:avLst/>
+          </a:prstGeom>
+        </p:spPr>
+        <p:style>
+          <a:lnRef idx="2">
+            <a:schemeClr val="accent1">
+              <a:shade val="50000"/>
+            </a:schemeClr>
+          </a:lnRef>
+          <a:fillRef idx="1">
+            <a:schemeClr val="accent1"/>
+          </a:fillRef>
+          <a:effectRef idx="0">
+            <a:schemeClr val="accent1"/>
+          </a:effectRef>
+          <a:fontRef idx="minor">
+            <a:schemeClr val="lt1"/>
+          </a:fontRef>
+        </p:style>
+        <p:txBody>
+          <a:bodyPr rtlCol="0" anchor="ctr"/>
+          <a:lstStyle/>
+          <a:p>
+            <a:pPr algn="ctr"/>
+            <a:r>
+              <a:rPr lang="zh-CN" altLang="en-US" dirty="0" smtClean="0"/>
+              <a:t>用户名</a:t>
+            </a:r>
+            <a:endParaRPr lang="zh-CN" altLang="en-US" dirty="0"/>
+          </a:p>
+        </p:txBody>
+      </p:sp>
+      <p:sp>
+        <p:nvSpPr>
+          <p:cNvPr id="8" name="矩形 7"/>
+          <p:cNvSpPr/>
+          <p:nvPr/>
+        </p:nvSpPr>
+        <p:spPr>
+          <a:xfrm>
+            <a:off x="9942443" y="2773017"/>
+            <a:ext cx="1302026" cy="347870"/>
+          </a:xfrm>
+          <a:prstGeom prst="rect">
+            <a:avLst/>
+          </a:prstGeom>
+        </p:spPr>
+        <p:style>
+          <a:lnRef idx="2">
+            <a:schemeClr val="accent1">
+              <a:shade val="50000"/>
+            </a:schemeClr>
+          </a:lnRef>
+          <a:fillRef idx="1">
+            <a:schemeClr val="accent1"/>
+          </a:fillRef>
+          <a:effectRef idx="0">
+            <a:schemeClr val="accent1"/>
+          </a:effectRef>
+          <a:fontRef idx="minor">
+            <a:schemeClr val="lt1"/>
+          </a:fontRef>
+        </p:style>
+        <p:txBody>
+          <a:bodyPr rtlCol="0" anchor="ctr"/>
+          <a:lstStyle/>
+          <a:p>
+            <a:pPr algn="ctr"/>
+            <a:r>
+              <a:rPr lang="zh-CN" altLang="en-US" dirty="0" smtClean="0"/>
+              <a:t>管理店铺</a:t>
+            </a:r>
+            <a:endParaRPr lang="zh-CN" altLang="en-US" dirty="0"/>
+          </a:p>
+        </p:txBody>
+      </p:sp>
+      <p:sp>
+        <p:nvSpPr>
+          <p:cNvPr id="9" name="矩形 8"/>
+          <p:cNvSpPr/>
+          <p:nvPr/>
+        </p:nvSpPr>
+        <p:spPr>
+          <a:xfrm>
+            <a:off x="9919252" y="3210288"/>
+            <a:ext cx="1348409" cy="384414"/>
+          </a:xfrm>
+          <a:prstGeom prst="rect">
+            <a:avLst/>
+          </a:prstGeom>
+        </p:spPr>
+        <p:style>
+          <a:lnRef idx="2">
+            <a:schemeClr val="accent1">
+              <a:shade val="50000"/>
+            </a:schemeClr>
+          </a:lnRef>
+          <a:fillRef idx="1">
+            <a:schemeClr val="accent1"/>
+          </a:fillRef>
+          <a:effectRef idx="0">
+            <a:schemeClr val="accent1"/>
+          </a:effectRef>
+          <a:fontRef idx="minor">
+            <a:schemeClr val="lt1"/>
+          </a:fontRef>
+        </p:style>
+        <p:txBody>
+          <a:bodyPr rtlCol="0" anchor="ctr"/>
+          <a:lstStyle/>
+          <a:p>
+            <a:pPr algn="ctr"/>
+            <a:r>
+              <a:rPr lang="zh-CN" altLang="en-US" dirty="0" smtClean="0"/>
+              <a:t>我的订单</a:t>
+            </a:r>
+            <a:endParaRPr lang="zh-CN" altLang="en-US" dirty="0"/>
+          </a:p>
+        </p:txBody>
+      </p:sp>
+      <p:sp>
+        <p:nvSpPr>
+          <p:cNvPr id="10" name="矩形 9"/>
+          <p:cNvSpPr/>
+          <p:nvPr/>
+        </p:nvSpPr>
+        <p:spPr>
+          <a:xfrm>
+            <a:off x="2177243" y="1202635"/>
+            <a:ext cx="6430618" cy="288236"/>
+          </a:xfrm>
+          <a:prstGeom prst="rect">
+            <a:avLst/>
+          </a:prstGeom>
+        </p:spPr>
+        <p:style>
+          <a:lnRef idx="2">
+            <a:schemeClr val="accent1">
+              <a:shade val="50000"/>
+            </a:schemeClr>
+          </a:lnRef>
+          <a:fillRef idx="1">
+            <a:schemeClr val="accent1"/>
+          </a:fillRef>
+          <a:effectRef idx="0">
+            <a:schemeClr val="accent1"/>
+          </a:effectRef>
+          <a:fontRef idx="minor">
+            <a:schemeClr val="lt1"/>
+          </a:fontRef>
+        </p:style>
+        <p:txBody>
+          <a:bodyPr rtlCol="0" anchor="ctr"/>
+          <a:lstStyle/>
+          <a:p>
+            <a:pPr algn="ctr"/>
+            <a:r>
+              <a:rPr lang="zh-CN" altLang="en-US" dirty="0" smtClean="0"/>
+              <a:t>店铺</a:t>
+            </a:r>
+            <a:endParaRPr lang="zh-CN" altLang="en-US" dirty="0"/>
+          </a:p>
+        </p:txBody>
+      </p:sp>
+      <p:sp>
+        <p:nvSpPr>
+          <p:cNvPr id="11" name="矩形 10"/>
+          <p:cNvSpPr/>
+          <p:nvPr/>
+        </p:nvSpPr>
+        <p:spPr>
+          <a:xfrm>
+            <a:off x="2152395" y="1691308"/>
+            <a:ext cx="6480314" cy="1477618"/>
+          </a:xfrm>
+          <a:prstGeom prst="rect">
+            <a:avLst/>
+          </a:prstGeom>
+        </p:spPr>
+        <p:style>
+          <a:lnRef idx="2">
+            <a:schemeClr val="accent1">
+              <a:shade val="50000"/>
+            </a:schemeClr>
+          </a:lnRef>
+          <a:fillRef idx="1">
+            <a:schemeClr val="accent1"/>
+          </a:fillRef>
+          <a:effectRef idx="0">
+            <a:schemeClr val="accent1"/>
+          </a:effectRef>
+          <a:fontRef idx="minor">
+            <a:schemeClr val="lt1"/>
+          </a:fontRef>
+        </p:style>
+        <p:txBody>
+          <a:bodyPr rtlCol="0" anchor="ctr"/>
+          <a:lstStyle/>
+          <a:p>
+            <a:pPr algn="ctr"/>
+            <a:r>
+              <a:rPr lang="zh-CN" altLang="en-US" dirty="0" smtClean="0"/>
+              <a:t>店铺列表</a:t>
+            </a:r>
+            <a:endParaRPr lang="en-US" altLang="zh-CN" dirty="0" smtClean="0"/>
+          </a:p>
+          <a:p>
+            <a:pPr algn="ctr"/>
+            <a:r>
+              <a:rPr lang="zh-CN" altLang="en-US" dirty="0" smtClean="0"/>
+              <a:t>点进后可查看本店的商品信息</a:t>
+            </a:r>
+            <a:endParaRPr lang="en-US" altLang="zh-CN" dirty="0" smtClean="0"/>
+          </a:p>
+          <a:p>
+            <a:pPr algn="ctr"/>
+            <a:r>
+              <a:rPr lang="zh-CN" altLang="en-US" dirty="0" smtClean="0"/>
+              <a:t>对商品进行上下架处理</a:t>
+            </a:r>
+            <a:endParaRPr lang="zh-CN" altLang="en-US" dirty="0"/>
+          </a:p>
+        </p:txBody>
+      </p:sp>
+      <p:sp>
+        <p:nvSpPr>
+          <p:cNvPr id="14" name="矩形 13"/>
+          <p:cNvSpPr/>
+          <p:nvPr/>
+        </p:nvSpPr>
+        <p:spPr>
+          <a:xfrm>
+            <a:off x="2177243" y="3402495"/>
+            <a:ext cx="6430618" cy="288236"/>
+          </a:xfrm>
+          <a:prstGeom prst="rect">
+            <a:avLst/>
+          </a:prstGeom>
+        </p:spPr>
+        <p:style>
+          <a:lnRef idx="2">
+            <a:schemeClr val="accent1">
+              <a:shade val="50000"/>
+            </a:schemeClr>
+          </a:lnRef>
+          <a:fillRef idx="1">
+            <a:schemeClr val="accent1"/>
+          </a:fillRef>
+          <a:effectRef idx="0">
+            <a:schemeClr val="accent1"/>
+          </a:effectRef>
+          <a:fontRef idx="minor">
+            <a:schemeClr val="lt1"/>
+          </a:fontRef>
+        </p:style>
+        <p:txBody>
+          <a:bodyPr rtlCol="0" anchor="ctr"/>
+          <a:lstStyle/>
+          <a:p>
+            <a:pPr algn="ctr"/>
+            <a:r>
+              <a:rPr lang="zh-CN" altLang="en-US" dirty="0" smtClean="0"/>
+              <a:t>我的订单</a:t>
+            </a:r>
+            <a:endParaRPr lang="zh-CN" altLang="en-US" dirty="0"/>
+          </a:p>
+        </p:txBody>
+      </p:sp>
+      <p:sp>
+        <p:nvSpPr>
+          <p:cNvPr id="28" name="矩形 27"/>
+          <p:cNvSpPr/>
+          <p:nvPr/>
+        </p:nvSpPr>
+        <p:spPr>
+          <a:xfrm>
+            <a:off x="1310308" y="3960741"/>
+            <a:ext cx="1303583" cy="380350"/>
+          </a:xfrm>
+          <a:prstGeom prst="rect">
+            <a:avLst/>
+          </a:prstGeom>
+        </p:spPr>
+        <p:style>
+          <a:lnRef idx="2">
+            <a:schemeClr val="accent1">
+              <a:shade val="50000"/>
+            </a:schemeClr>
+          </a:lnRef>
+          <a:fillRef idx="1">
+            <a:schemeClr val="accent1"/>
+          </a:fillRef>
+          <a:effectRef idx="0">
+            <a:schemeClr val="accent1"/>
+          </a:effectRef>
+          <a:fontRef idx="minor">
+            <a:schemeClr val="lt1"/>
+          </a:fontRef>
+        </p:style>
+        <p:txBody>
+          <a:bodyPr rtlCol="0" anchor="ctr"/>
+          <a:lstStyle/>
+          <a:p>
+            <a:pPr algn="ctr"/>
+            <a:r>
+              <a:rPr lang="zh-CN" altLang="en-US" dirty="0" smtClean="0"/>
+              <a:t>店铺名称</a:t>
+            </a:r>
+            <a:endParaRPr lang="zh-CN" altLang="en-US" dirty="0"/>
+          </a:p>
+        </p:txBody>
+      </p:sp>
+      <p:sp>
+        <p:nvSpPr>
+          <p:cNvPr id="2" name="文本框 1"/>
+          <p:cNvSpPr txBox="1"/>
+          <p:nvPr/>
+        </p:nvSpPr>
+        <p:spPr>
+          <a:xfrm>
+            <a:off x="4082473" y="412476"/>
+            <a:ext cx="4054763" cy="369332"/>
+          </a:xfrm>
+          <a:prstGeom prst="rect">
+            <a:avLst/>
+          </a:prstGeom>
+          <a:noFill/>
+        </p:spPr>
+        <p:txBody>
+          <a:bodyPr wrap="square" rtlCol="0">
+            <a:spAutoFit/>
+          </a:bodyPr>
+          <a:lstStyle/>
+          <a:p>
+            <a:r>
+              <a:rPr lang="zh-CN" altLang="en-US" dirty="0" smtClean="0"/>
+              <a:t>卖家 </a:t>
+            </a:r>
+            <a:r>
+              <a:rPr lang="en-US" altLang="zh-CN" dirty="0" smtClean="0"/>
+              <a:t>my account </a:t>
+            </a:r>
+            <a:r>
+              <a:rPr lang="zh-CN" altLang="en-US" dirty="0" smtClean="0"/>
+              <a:t>界面</a:t>
+            </a:r>
+            <a:endParaRPr lang="zh-CN" altLang="en-US" dirty="0"/>
+          </a:p>
+        </p:txBody>
+      </p:sp>
+      <p:sp>
+        <p:nvSpPr>
+          <p:cNvPr id="35" name="矩形 34"/>
+          <p:cNvSpPr/>
+          <p:nvPr/>
+        </p:nvSpPr>
+        <p:spPr>
+          <a:xfrm>
+            <a:off x="2829690" y="3960741"/>
+            <a:ext cx="5907910" cy="369405"/>
+          </a:xfrm>
+          <a:prstGeom prst="rect">
+            <a:avLst/>
+          </a:prstGeom>
+        </p:spPr>
+        <p:style>
+          <a:lnRef idx="2">
+            <a:schemeClr val="accent1">
+              <a:shade val="50000"/>
+            </a:schemeClr>
+          </a:lnRef>
+          <a:fillRef idx="1">
+            <a:schemeClr val="accent1"/>
+          </a:fillRef>
+          <a:effectRef idx="0">
+            <a:schemeClr val="accent1"/>
+          </a:effectRef>
+          <a:fontRef idx="minor">
+            <a:schemeClr val="lt1"/>
+          </a:fontRef>
+        </p:style>
+        <p:txBody>
+          <a:bodyPr rtlCol="0" anchor="ctr"/>
+          <a:lstStyle/>
+          <a:p>
+            <a:pPr algn="ctr"/>
+            <a:r>
+              <a:rPr lang="zh-CN" altLang="en-US" dirty="0" smtClean="0"/>
+              <a:t>订单信息</a:t>
+            </a:r>
+            <a:endParaRPr lang="zh-CN" altLang="en-US" dirty="0"/>
+          </a:p>
+        </p:txBody>
+      </p:sp>
+      <p:sp>
+        <p:nvSpPr>
+          <p:cNvPr id="36" name="矩形 35"/>
+          <p:cNvSpPr/>
+          <p:nvPr/>
+        </p:nvSpPr>
+        <p:spPr>
+          <a:xfrm>
+            <a:off x="2829690" y="4415453"/>
+            <a:ext cx="5907910" cy="369405"/>
+          </a:xfrm>
+          <a:prstGeom prst="rect">
+            <a:avLst/>
+          </a:prstGeom>
+        </p:spPr>
+        <p:style>
+          <a:lnRef idx="2">
+            <a:schemeClr val="accent1">
+              <a:shade val="50000"/>
+            </a:schemeClr>
+          </a:lnRef>
+          <a:fillRef idx="1">
+            <a:schemeClr val="accent1"/>
+          </a:fillRef>
+          <a:effectRef idx="0">
+            <a:schemeClr val="accent1"/>
+          </a:effectRef>
+          <a:fontRef idx="minor">
+            <a:schemeClr val="lt1"/>
+          </a:fontRef>
+        </p:style>
+        <p:txBody>
+          <a:bodyPr rtlCol="0" anchor="ctr"/>
+          <a:lstStyle/>
+          <a:p>
+            <a:pPr algn="ctr"/>
+            <a:r>
+              <a:rPr lang="zh-CN" altLang="en-US" dirty="0" smtClean="0"/>
+              <a:t>订单信息</a:t>
+            </a:r>
+            <a:endParaRPr lang="zh-CN" altLang="en-US" dirty="0"/>
+          </a:p>
+        </p:txBody>
+      </p:sp>
+      <p:sp>
+        <p:nvSpPr>
+          <p:cNvPr id="37" name="矩形 36"/>
+          <p:cNvSpPr/>
+          <p:nvPr/>
+        </p:nvSpPr>
+        <p:spPr>
+          <a:xfrm>
+            <a:off x="2829690" y="4870165"/>
+            <a:ext cx="5907910" cy="369405"/>
+          </a:xfrm>
+          <a:prstGeom prst="rect">
+            <a:avLst/>
+          </a:prstGeom>
+        </p:spPr>
+        <p:style>
+          <a:lnRef idx="2">
+            <a:schemeClr val="accent1">
+              <a:shade val="50000"/>
+            </a:schemeClr>
+          </a:lnRef>
+          <a:fillRef idx="1">
+            <a:schemeClr val="accent1"/>
+          </a:fillRef>
+          <a:effectRef idx="0">
+            <a:schemeClr val="accent1"/>
+          </a:effectRef>
+          <a:fontRef idx="minor">
+            <a:schemeClr val="lt1"/>
+          </a:fontRef>
+        </p:style>
+        <p:txBody>
+          <a:bodyPr rtlCol="0" anchor="ctr"/>
+          <a:lstStyle/>
+          <a:p>
+            <a:pPr algn="ctr"/>
+            <a:r>
+              <a:rPr lang="zh-CN" altLang="en-US" dirty="0" smtClean="0"/>
+              <a:t>订单信息</a:t>
+            </a:r>
+            <a:endParaRPr lang="zh-CN" altLang="en-US" dirty="0"/>
+          </a:p>
+        </p:txBody>
+      </p:sp>
+      <p:sp>
+        <p:nvSpPr>
+          <p:cNvPr id="41" name="矩形 40"/>
+          <p:cNvSpPr/>
+          <p:nvPr/>
+        </p:nvSpPr>
+        <p:spPr>
+          <a:xfrm>
+            <a:off x="1310308" y="5526305"/>
+            <a:ext cx="1303583" cy="380350"/>
+          </a:xfrm>
+          <a:prstGeom prst="rect">
+            <a:avLst/>
+          </a:prstGeom>
+        </p:spPr>
+        <p:style>
+          <a:lnRef idx="2">
+            <a:schemeClr val="accent1">
+              <a:shade val="50000"/>
+            </a:schemeClr>
+          </a:lnRef>
+          <a:fillRef idx="1">
+            <a:schemeClr val="accent1"/>
+          </a:fillRef>
+          <a:effectRef idx="0">
+            <a:schemeClr val="accent1"/>
+          </a:effectRef>
+          <a:fontRef idx="minor">
+            <a:schemeClr val="lt1"/>
+          </a:fontRef>
+        </p:style>
+        <p:txBody>
+          <a:bodyPr rtlCol="0" anchor="ctr"/>
+          <a:lstStyle/>
+          <a:p>
+            <a:pPr algn="ctr"/>
+            <a:r>
+              <a:rPr lang="zh-CN" altLang="en-US" dirty="0" smtClean="0"/>
+              <a:t>店铺名称</a:t>
+            </a:r>
+            <a:endParaRPr lang="zh-CN" altLang="en-US" dirty="0"/>
+          </a:p>
+        </p:txBody>
+      </p:sp>
+      <p:sp>
+        <p:nvSpPr>
+          <p:cNvPr id="42" name="矩形 41"/>
+          <p:cNvSpPr/>
+          <p:nvPr/>
+        </p:nvSpPr>
+        <p:spPr>
+          <a:xfrm>
+            <a:off x="2829690" y="5537250"/>
+            <a:ext cx="5907910" cy="369405"/>
+          </a:xfrm>
+          <a:prstGeom prst="rect">
+            <a:avLst/>
+          </a:prstGeom>
+        </p:spPr>
+        <p:style>
+          <a:lnRef idx="2">
+            <a:schemeClr val="accent1">
+              <a:shade val="50000"/>
+            </a:schemeClr>
+          </a:lnRef>
+          <a:fillRef idx="1">
+            <a:schemeClr val="accent1"/>
+          </a:fillRef>
+          <a:effectRef idx="0">
+            <a:schemeClr val="accent1"/>
+          </a:effectRef>
+          <a:fontRef idx="minor">
+            <a:schemeClr val="lt1"/>
+          </a:fontRef>
+        </p:style>
+        <p:txBody>
+          <a:bodyPr rtlCol="0" anchor="ctr"/>
+          <a:lstStyle/>
+          <a:p>
+            <a:pPr algn="ctr"/>
+            <a:r>
+              <a:rPr lang="zh-CN" altLang="en-US" dirty="0" smtClean="0"/>
+              <a:t>订单信息</a:t>
+            </a:r>
+            <a:endParaRPr lang="zh-CN" altLang="en-US" dirty="0"/>
+          </a:p>
+        </p:txBody>
+      </p:sp>
+      <p:sp>
+        <p:nvSpPr>
+          <p:cNvPr id="43" name="矩形 42"/>
+          <p:cNvSpPr/>
+          <p:nvPr/>
+        </p:nvSpPr>
+        <p:spPr>
+          <a:xfrm>
+            <a:off x="2829690" y="6034912"/>
+            <a:ext cx="5907910" cy="369405"/>
+          </a:xfrm>
+          <a:prstGeom prst="rect">
+            <a:avLst/>
+          </a:prstGeom>
+        </p:spPr>
+        <p:style>
+          <a:lnRef idx="2">
+            <a:schemeClr val="accent1">
+              <a:shade val="50000"/>
+            </a:schemeClr>
+          </a:lnRef>
+          <a:fillRef idx="1">
+            <a:schemeClr val="accent1"/>
+          </a:fillRef>
+          <a:effectRef idx="0">
+            <a:schemeClr val="accent1"/>
+          </a:effectRef>
+          <a:fontRef idx="minor">
+            <a:schemeClr val="lt1"/>
+          </a:fontRef>
+        </p:style>
+        <p:txBody>
+          <a:bodyPr rtlCol="0" anchor="ctr"/>
+          <a:lstStyle/>
+          <a:p>
+            <a:pPr algn="ctr"/>
+            <a:r>
+              <a:rPr lang="zh-CN" altLang="en-US" dirty="0" smtClean="0"/>
+              <a:t>订单信息</a:t>
+            </a:r>
+            <a:endParaRPr lang="zh-CN" altLang="en-US" dirty="0"/>
+          </a:p>
+        </p:txBody>
+      </p:sp>
+    </p:spTree>
+    <p:extLst>
+      <p:ext uri="{BB962C8B-B14F-4D97-AF65-F5344CB8AC3E}">
+        <p14:creationId xmlns:p14="http://schemas.microsoft.com/office/powerpoint/2010/main" val="2705081848"/>
+      </p:ext>
+    </p:extLst>
+  </p:cSld>
+  <p:clrMapOvr>
+    <a:masterClrMapping/>
+  </p:clrMapOvr>
+  <p:timing>
+    <p:tnLst>
+      <p:par>
+        <p:cTn id="1" dur="indefinite" restart="never" nodeType="tmRoot"/>
+      </p:par>
+    </p:tnLst>
+  </p:timing>
+</p:sld>
+</file>
+
+<file path=ppt/slides/slide11.xml><?xml version="1.0" encoding="utf-8"?>
 <p:sld xmlns:a="http://schemas.openxmlformats.org/drawingml/2006/main" xmlns:r="http://schemas.openxmlformats.org/officeDocument/2006/relationships" xmlns:p="http://schemas.openxmlformats.org/presentationml/2006/main">
   <p:cSld>
     <p:spTree>
@@ -6906,7 +7711,6 @@
               <a:rPr lang="zh-CN" altLang="en-US" sz="800" dirty="0"/>
               <a:t>加入购物车</a:t>
             </a:r>
-            <a:endParaRPr lang="zh-CN" altLang="en-US" sz="800" dirty="0"/>
           </a:p>
         </p:txBody>
       </p:sp>
@@ -6958,7 +7762,6 @@
               <a:rPr lang="zh-CN" altLang="en-US" sz="800" dirty="0"/>
               <a:t>加入购物车</a:t>
             </a:r>
-            <a:endParaRPr lang="zh-CN" altLang="en-US" sz="800" dirty="0"/>
           </a:p>
         </p:txBody>
       </p:sp>
@@ -7010,7 +7813,6 @@
               <a:rPr lang="zh-CN" altLang="en-US" sz="800" dirty="0"/>
               <a:t>加入购物车</a:t>
             </a:r>
-            <a:endParaRPr lang="zh-CN" altLang="en-US" sz="800" dirty="0"/>
           </a:p>
         </p:txBody>
       </p:sp>
@@ -9897,7 +10699,6 @@
                 <a:rPr lang="zh-CN" altLang="en-US" sz="800" dirty="0"/>
                 <a:t>加入购物车</a:t>
               </a:r>
-              <a:endParaRPr lang="zh-CN" altLang="en-US" sz="800" dirty="0"/>
             </a:p>
           </p:txBody>
         </p:sp>
@@ -9949,7 +10750,6 @@
                 <a:rPr lang="zh-CN" altLang="en-US" sz="800" dirty="0"/>
                 <a:t>加入购物车</a:t>
               </a:r>
-              <a:endParaRPr lang="zh-CN" altLang="en-US" sz="800" dirty="0"/>
             </a:p>
           </p:txBody>
         </p:sp>
@@ -10001,11 +10801,48 @@
                 <a:rPr lang="zh-CN" altLang="en-US" sz="800" dirty="0"/>
                 <a:t>加入购物车</a:t>
               </a:r>
-              <a:endParaRPr lang="zh-CN" altLang="en-US" sz="800" dirty="0"/>
             </a:p>
           </p:txBody>
         </p:sp>
       </p:grpSp>
+      <p:sp>
+        <p:nvSpPr>
+          <p:cNvPr id="2" name="文本框 1"/>
+          <p:cNvSpPr txBox="1"/>
+          <p:nvPr/>
+        </p:nvSpPr>
+        <p:spPr>
+          <a:xfrm>
+            <a:off x="4350327" y="508000"/>
+            <a:ext cx="3084946" cy="369332"/>
+          </a:xfrm>
+          <a:prstGeom prst="rect">
+            <a:avLst/>
+          </a:prstGeom>
+          <a:noFill/>
+        </p:spPr>
+        <p:txBody>
+          <a:bodyPr wrap="square" rtlCol="0">
+            <a:spAutoFit/>
+          </a:bodyPr>
+          <a:lstStyle/>
+          <a:p>
+            <a:r>
+              <a:rPr lang="zh-CN" altLang="en-US" dirty="0" smtClean="0"/>
+              <a:t>买家 </a:t>
+            </a:r>
+            <a:r>
+              <a:rPr lang="en-US" altLang="zh-CN" dirty="0" smtClean="0"/>
+              <a:t>my account </a:t>
+            </a:r>
+            <a:r>
+              <a:rPr lang="zh-CN" altLang="en-US" dirty="0" smtClean="0"/>
+              <a:t>界面</a:t>
+            </a:r>
+            <a:endParaRPr lang="zh-CN" altLang="en-US" dirty="0"/>
+          </a:p>
+        </p:txBody>
+      </p:sp>
     </p:spTree>
     <p:extLst>
       <p:ext uri="{BB962C8B-B14F-4D97-AF65-F5344CB8AC3E}">
